--- a/PhpNode/images/Images.pptx
+++ b/PhpNode/images/Images.pptx
@@ -106,6 +106,11 @@
       </a:defRPr>
     </a:lvl9pPr>
   </p:defaultTextStyle>
+  <p:extLst>
+    <p:ext uri="{EFAFB233-063F-42B5-8137-9DF3F51BA10A}">
+      <p15:sldGuideLst xmlns:p15="http://schemas.microsoft.com/office/powerpoint/2012/main"/>
+    </p:ext>
+  </p:extLst>
 </p:presentation>
 </file>
 
@@ -240,7 +245,7 @@
           <a:p>
             <a:fld id="{C4C81912-D73F-40F4-A4F9-8351C344516B}" type="datetimeFigureOut">
               <a:rPr lang="en-US" smtClean="0"/>
-              <a:t>10/2/2013</a:t>
+              <a:t>10/3/2013</a:t>
             </a:fld>
             <a:endParaRPr lang="en-US"/>
           </a:p>
@@ -410,7 +415,7 @@
           <a:p>
             <a:fld id="{C4C81912-D73F-40F4-A4F9-8351C344516B}" type="datetimeFigureOut">
               <a:rPr lang="en-US" smtClean="0"/>
-              <a:t>10/2/2013</a:t>
+              <a:t>10/3/2013</a:t>
             </a:fld>
             <a:endParaRPr lang="en-US"/>
           </a:p>
@@ -590,7 +595,7 @@
           <a:p>
             <a:fld id="{C4C81912-D73F-40F4-A4F9-8351C344516B}" type="datetimeFigureOut">
               <a:rPr lang="en-US" smtClean="0"/>
-              <a:t>10/2/2013</a:t>
+              <a:t>10/3/2013</a:t>
             </a:fld>
             <a:endParaRPr lang="en-US"/>
           </a:p>
@@ -760,7 +765,7 @@
           <a:p>
             <a:fld id="{C4C81912-D73F-40F4-A4F9-8351C344516B}" type="datetimeFigureOut">
               <a:rPr lang="en-US" smtClean="0"/>
-              <a:t>10/2/2013</a:t>
+              <a:t>10/3/2013</a:t>
             </a:fld>
             <a:endParaRPr lang="en-US"/>
           </a:p>
@@ -1006,7 +1011,7 @@
           <a:p>
             <a:fld id="{C4C81912-D73F-40F4-A4F9-8351C344516B}" type="datetimeFigureOut">
               <a:rPr lang="en-US" smtClean="0"/>
-              <a:t>10/2/2013</a:t>
+              <a:t>10/3/2013</a:t>
             </a:fld>
             <a:endParaRPr lang="en-US"/>
           </a:p>
@@ -1238,7 +1243,7 @@
           <a:p>
             <a:fld id="{C4C81912-D73F-40F4-A4F9-8351C344516B}" type="datetimeFigureOut">
               <a:rPr lang="en-US" smtClean="0"/>
-              <a:t>10/2/2013</a:t>
+              <a:t>10/3/2013</a:t>
             </a:fld>
             <a:endParaRPr lang="en-US"/>
           </a:p>
@@ -1605,7 +1610,7 @@
           <a:p>
             <a:fld id="{C4C81912-D73F-40F4-A4F9-8351C344516B}" type="datetimeFigureOut">
               <a:rPr lang="en-US" smtClean="0"/>
-              <a:t>10/2/2013</a:t>
+              <a:t>10/3/2013</a:t>
             </a:fld>
             <a:endParaRPr lang="en-US"/>
           </a:p>
@@ -1723,7 +1728,7 @@
           <a:p>
             <a:fld id="{C4C81912-D73F-40F4-A4F9-8351C344516B}" type="datetimeFigureOut">
               <a:rPr lang="en-US" smtClean="0"/>
-              <a:t>10/2/2013</a:t>
+              <a:t>10/3/2013</a:t>
             </a:fld>
             <a:endParaRPr lang="en-US"/>
           </a:p>
@@ -1818,7 +1823,7 @@
           <a:p>
             <a:fld id="{C4C81912-D73F-40F4-A4F9-8351C344516B}" type="datetimeFigureOut">
               <a:rPr lang="en-US" smtClean="0"/>
-              <a:t>10/2/2013</a:t>
+              <a:t>10/3/2013</a:t>
             </a:fld>
             <a:endParaRPr lang="en-US"/>
           </a:p>
@@ -2095,7 +2100,7 @@
           <a:p>
             <a:fld id="{C4C81912-D73F-40F4-A4F9-8351C344516B}" type="datetimeFigureOut">
               <a:rPr lang="en-US" smtClean="0"/>
-              <a:t>10/2/2013</a:t>
+              <a:t>10/3/2013</a:t>
             </a:fld>
             <a:endParaRPr lang="en-US"/>
           </a:p>
@@ -2348,7 +2353,7 @@
           <a:p>
             <a:fld id="{C4C81912-D73F-40F4-A4F9-8351C344516B}" type="datetimeFigureOut">
               <a:rPr lang="en-US" smtClean="0"/>
-              <a:t>10/2/2013</a:t>
+              <a:t>10/3/2013</a:t>
             </a:fld>
             <a:endParaRPr lang="en-US"/>
           </a:p>
@@ -2561,7 +2566,7 @@
           <a:p>
             <a:fld id="{C4C81912-D73F-40F4-A4F9-8351C344516B}" type="datetimeFigureOut">
               <a:rPr lang="en-US" smtClean="0"/>
-              <a:t>10/2/2013</a:t>
+              <a:t>10/3/2013</a:t>
             </a:fld>
             <a:endParaRPr lang="en-US"/>
           </a:p>
@@ -3945,11 +3950,6 @@
               </a:rPr>
               <a:t>Client</a:t>
             </a:r>
-            <a:endParaRPr lang="en-US" sz="2400" dirty="0">
-              <a:solidFill>
-                <a:schemeClr val="tx1"/>
-              </a:solidFill>
-            </a:endParaRPr>
           </a:p>
         </p:txBody>
       </p:sp>

--- a/PhpNode/images/Images.pptx
+++ b/PhpNode/images/Images.pptx
@@ -7,7 +7,8 @@
   <p:sldIdLst>
     <p:sldId id="257" r:id="rId2"/>
     <p:sldId id="259" r:id="rId3"/>
-    <p:sldId id="258" r:id="rId4"/>
+    <p:sldId id="260" r:id="rId4"/>
+    <p:sldId id="258" r:id="rId5"/>
   </p:sldIdLst>
   <p:sldSz cx="12192000" cy="6858000"/>
   <p:notesSz cx="6858000" cy="9144000"/>
@@ -3713,6 +3714,568 @@
         </p:nvSpPr>
         <p:spPr>
           <a:xfrm>
+            <a:off x="6020386" y="4692260"/>
+            <a:ext cx="1447800" cy="1371600"/>
+          </a:xfrm>
+          <a:prstGeom prst="roundRect">
+            <a:avLst/>
+          </a:prstGeom>
+          <a:solidFill>
+            <a:srgbClr val="92D050"/>
+          </a:solidFill>
+        </p:spPr>
+        <p:style>
+          <a:lnRef idx="2">
+            <a:schemeClr val="accent1">
+              <a:shade val="50000"/>
+            </a:schemeClr>
+          </a:lnRef>
+          <a:fillRef idx="1">
+            <a:schemeClr val="accent1"/>
+          </a:fillRef>
+          <a:effectRef idx="0">
+            <a:schemeClr val="accent1"/>
+          </a:effectRef>
+          <a:fontRef idx="minor">
+            <a:schemeClr val="lt1"/>
+          </a:fontRef>
+        </p:style>
+        <p:txBody>
+          <a:bodyPr rtlCol="0" anchor="ctr"/>
+          <a:lstStyle/>
+          <a:p>
+            <a:pPr algn="ctr"/>
+            <a:r>
+              <a:rPr lang="en-US" sz="2400" dirty="0" smtClean="0">
+                <a:solidFill>
+                  <a:schemeClr val="tx1"/>
+                </a:solidFill>
+              </a:rPr>
+              <a:t>Node</a:t>
+            </a:r>
+            <a:br>
+              <a:rPr lang="en-US" sz="2400" dirty="0" smtClean="0">
+                <a:solidFill>
+                  <a:schemeClr val="tx1"/>
+                </a:solidFill>
+              </a:rPr>
+            </a:br>
+            <a:r>
+              <a:rPr lang="en-US" sz="2400" dirty="0" smtClean="0">
+                <a:solidFill>
+                  <a:schemeClr val="tx1"/>
+                </a:solidFill>
+              </a:rPr>
+              <a:t>Server</a:t>
+            </a:r>
+            <a:endParaRPr lang="en-US" sz="2400" dirty="0">
+              <a:solidFill>
+                <a:schemeClr val="tx1"/>
+              </a:solidFill>
+            </a:endParaRPr>
+          </a:p>
+        </p:txBody>
+      </p:sp>
+      <p:sp>
+        <p:nvSpPr>
+          <p:cNvPr id="7" name="6 Rectángulo redondeado"/>
+          <p:cNvSpPr/>
+          <p:nvPr/>
+        </p:nvSpPr>
+        <p:spPr>
+          <a:xfrm>
+            <a:off x="3053199" y="1633619"/>
+            <a:ext cx="1447800" cy="1371600"/>
+          </a:xfrm>
+          <a:prstGeom prst="roundRect">
+            <a:avLst/>
+          </a:prstGeom>
+          <a:solidFill>
+            <a:schemeClr val="accent3">
+              <a:lumMod val="60000"/>
+              <a:lumOff val="40000"/>
+            </a:schemeClr>
+          </a:solidFill>
+        </p:spPr>
+        <p:style>
+          <a:lnRef idx="2">
+            <a:schemeClr val="accent1">
+              <a:shade val="50000"/>
+            </a:schemeClr>
+          </a:lnRef>
+          <a:fillRef idx="1">
+            <a:schemeClr val="accent1"/>
+          </a:fillRef>
+          <a:effectRef idx="0">
+            <a:schemeClr val="accent1"/>
+          </a:effectRef>
+          <a:fontRef idx="minor">
+            <a:schemeClr val="lt1"/>
+          </a:fontRef>
+        </p:style>
+        <p:txBody>
+          <a:bodyPr rtlCol="0" anchor="ctr"/>
+          <a:lstStyle/>
+          <a:p>
+            <a:pPr algn="ctr"/>
+            <a:r>
+              <a:rPr lang="en-US" sz="2400" dirty="0" smtClean="0">
+                <a:solidFill>
+                  <a:schemeClr val="tx1"/>
+                </a:solidFill>
+              </a:rPr>
+              <a:t>Browser</a:t>
+            </a:r>
+            <a:endParaRPr lang="en-US" sz="2400" dirty="0">
+              <a:solidFill>
+                <a:schemeClr val="tx1"/>
+              </a:solidFill>
+            </a:endParaRPr>
+          </a:p>
+        </p:txBody>
+      </p:sp>
+      <p:cxnSp>
+        <p:nvCxnSpPr>
+          <p:cNvPr id="8" name="7 Conector recto de flecha"/>
+          <p:cNvCxnSpPr>
+            <a:stCxn id="32" idx="2"/>
+            <a:endCxn id="9" idx="1"/>
+          </p:cNvCxnSpPr>
+          <p:nvPr/>
+        </p:nvCxnSpPr>
+        <p:spPr>
+          <a:xfrm>
+            <a:off x="6744286" y="3008080"/>
+            <a:ext cx="2042912" cy="410035"/>
+          </a:xfrm>
+          <a:prstGeom prst="straightConnector1">
+            <a:avLst/>
+          </a:prstGeom>
+          <a:ln w="38100">
+            <a:headEnd type="none"/>
+            <a:tailEnd type="none"/>
+          </a:ln>
+        </p:spPr>
+        <p:style>
+          <a:lnRef idx="1">
+            <a:schemeClr val="accent1"/>
+          </a:lnRef>
+          <a:fillRef idx="0">
+            <a:schemeClr val="accent1"/>
+          </a:fillRef>
+          <a:effectRef idx="0">
+            <a:schemeClr val="accent1"/>
+          </a:effectRef>
+          <a:fontRef idx="minor">
+            <a:schemeClr val="tx1"/>
+          </a:fontRef>
+        </p:style>
+      </p:cxnSp>
+      <p:cxnSp>
+        <p:nvCxnSpPr>
+          <p:cNvPr id="22" name="21 Conector recto de flecha"/>
+          <p:cNvCxnSpPr/>
+          <p:nvPr/>
+        </p:nvCxnSpPr>
+        <p:spPr>
+          <a:xfrm>
+            <a:off x="7468186" y="3005219"/>
+            <a:ext cx="1319012" cy="278626"/>
+          </a:xfrm>
+          <a:prstGeom prst="straightConnector1">
+            <a:avLst/>
+          </a:prstGeom>
+          <a:ln w="25400">
+            <a:prstDash val="dash"/>
+            <a:headEnd type="arrow" w="lg" len="med"/>
+            <a:tailEnd type="arrow"/>
+          </a:ln>
+        </p:spPr>
+        <p:style>
+          <a:lnRef idx="1">
+            <a:schemeClr val="accent1"/>
+          </a:lnRef>
+          <a:fillRef idx="0">
+            <a:schemeClr val="accent1"/>
+          </a:fillRef>
+          <a:effectRef idx="0">
+            <a:schemeClr val="accent1"/>
+          </a:effectRef>
+          <a:fontRef idx="minor">
+            <a:schemeClr val="tx1"/>
+          </a:fontRef>
+        </p:style>
+      </p:cxnSp>
+      <p:sp>
+        <p:nvSpPr>
+          <p:cNvPr id="33" name="32 Elipse"/>
+          <p:cNvSpPr/>
+          <p:nvPr/>
+        </p:nvSpPr>
+        <p:spPr>
+          <a:xfrm>
+            <a:off x="7948998" y="2756649"/>
+            <a:ext cx="228600" cy="228600"/>
+          </a:xfrm>
+          <a:prstGeom prst="ellipse">
+            <a:avLst/>
+          </a:prstGeom>
+          <a:solidFill>
+            <a:srgbClr val="FF0000"/>
+          </a:solidFill>
+        </p:spPr>
+        <p:style>
+          <a:lnRef idx="2">
+            <a:schemeClr val="accent1">
+              <a:shade val="50000"/>
+            </a:schemeClr>
+          </a:lnRef>
+          <a:fillRef idx="1">
+            <a:schemeClr val="accent1"/>
+          </a:fillRef>
+          <a:effectRef idx="0">
+            <a:schemeClr val="accent1"/>
+          </a:effectRef>
+          <a:fontRef idx="minor">
+            <a:schemeClr val="lt1"/>
+          </a:fontRef>
+        </p:style>
+        <p:txBody>
+          <a:bodyPr rtlCol="0" anchor="ctr"/>
+          <a:lstStyle/>
+          <a:p>
+            <a:pPr algn="ctr"/>
+            <a:endParaRPr lang="en-US"/>
+          </a:p>
+        </p:txBody>
+      </p:sp>
+      <p:sp>
+        <p:nvSpPr>
+          <p:cNvPr id="32" name="4 Rectángulo redondeado"/>
+          <p:cNvSpPr/>
+          <p:nvPr/>
+        </p:nvSpPr>
+        <p:spPr>
+          <a:xfrm>
+            <a:off x="6020386" y="1636480"/>
+            <a:ext cx="1447800" cy="1371600"/>
+          </a:xfrm>
+          <a:prstGeom prst="roundRect">
+            <a:avLst/>
+          </a:prstGeom>
+          <a:solidFill>
+            <a:schemeClr val="accent1">
+              <a:lumMod val="40000"/>
+              <a:lumOff val="60000"/>
+            </a:schemeClr>
+          </a:solidFill>
+        </p:spPr>
+        <p:style>
+          <a:lnRef idx="2">
+            <a:schemeClr val="accent1">
+              <a:shade val="50000"/>
+            </a:schemeClr>
+          </a:lnRef>
+          <a:fillRef idx="1">
+            <a:schemeClr val="accent1"/>
+          </a:fillRef>
+          <a:effectRef idx="0">
+            <a:schemeClr val="accent1"/>
+          </a:effectRef>
+          <a:fontRef idx="minor">
+            <a:schemeClr val="lt1"/>
+          </a:fontRef>
+        </p:style>
+        <p:txBody>
+          <a:bodyPr rtlCol="0" anchor="ctr"/>
+          <a:lstStyle/>
+          <a:p>
+            <a:pPr algn="ctr"/>
+            <a:r>
+              <a:rPr lang="en-US" sz="2400" dirty="0" smtClean="0">
+                <a:solidFill>
+                  <a:schemeClr val="tx1"/>
+                </a:solidFill>
+              </a:rPr>
+              <a:t>PHP</a:t>
+            </a:r>
+            <a:endParaRPr lang="en-US" sz="2400" dirty="0">
+              <a:solidFill>
+                <a:schemeClr val="tx1"/>
+              </a:solidFill>
+            </a:endParaRPr>
+          </a:p>
+        </p:txBody>
+      </p:sp>
+      <p:cxnSp>
+        <p:nvCxnSpPr>
+          <p:cNvPr id="37" name="8 Conector recto de flecha"/>
+          <p:cNvCxnSpPr>
+            <a:stCxn id="32" idx="1"/>
+            <a:endCxn id="7" idx="3"/>
+          </p:cNvCxnSpPr>
+          <p:nvPr/>
+        </p:nvCxnSpPr>
+        <p:spPr>
+          <a:xfrm flipH="1" flipV="1">
+            <a:off x="4500999" y="2319419"/>
+            <a:ext cx="1519387" cy="2861"/>
+          </a:xfrm>
+          <a:prstGeom prst="straightConnector1">
+            <a:avLst/>
+          </a:prstGeom>
+          <a:ln w="38100">
+            <a:headEnd type="none"/>
+            <a:tailEnd type="none"/>
+          </a:ln>
+        </p:spPr>
+        <p:style>
+          <a:lnRef idx="1">
+            <a:schemeClr val="accent1"/>
+          </a:lnRef>
+          <a:fillRef idx="0">
+            <a:schemeClr val="accent1"/>
+          </a:fillRef>
+          <a:effectRef idx="0">
+            <a:schemeClr val="accent1"/>
+          </a:effectRef>
+          <a:fontRef idx="minor">
+            <a:schemeClr val="tx1"/>
+          </a:fontRef>
+        </p:style>
+      </p:cxnSp>
+      <p:sp>
+        <p:nvSpPr>
+          <p:cNvPr id="9" name="4 Rectángulo redondeado"/>
+          <p:cNvSpPr/>
+          <p:nvPr/>
+        </p:nvSpPr>
+        <p:spPr>
+          <a:xfrm>
+            <a:off x="8787198" y="2732315"/>
+            <a:ext cx="1447800" cy="1371600"/>
+          </a:xfrm>
+          <a:prstGeom prst="roundRect">
+            <a:avLst/>
+          </a:prstGeom>
+          <a:solidFill>
+            <a:srgbClr val="FFC000"/>
+          </a:solidFill>
+        </p:spPr>
+        <p:style>
+          <a:lnRef idx="2">
+            <a:schemeClr val="accent1">
+              <a:shade val="50000"/>
+            </a:schemeClr>
+          </a:lnRef>
+          <a:fillRef idx="1">
+            <a:schemeClr val="accent1"/>
+          </a:fillRef>
+          <a:effectRef idx="0">
+            <a:schemeClr val="accent1"/>
+          </a:effectRef>
+          <a:fontRef idx="minor">
+            <a:schemeClr val="lt1"/>
+          </a:fontRef>
+        </p:style>
+        <p:txBody>
+          <a:bodyPr rtlCol="0" anchor="ctr"/>
+          <a:lstStyle/>
+          <a:p>
+            <a:pPr algn="ctr"/>
+            <a:r>
+              <a:rPr lang="en-US" sz="2400" dirty="0" err="1" smtClean="0">
+                <a:solidFill>
+                  <a:schemeClr val="tx1"/>
+                </a:solidFill>
+              </a:rPr>
+              <a:t>Redis</a:t>
+            </a:r>
+            <a:r>
+              <a:rPr lang="en-US" sz="2400" dirty="0" smtClean="0">
+                <a:solidFill>
+                  <a:schemeClr val="tx1"/>
+                </a:solidFill>
+              </a:rPr>
+              <a:t>? </a:t>
+            </a:r>
+            <a:r>
+              <a:rPr lang="en-US" sz="2400" dirty="0" err="1" smtClean="0">
+                <a:solidFill>
+                  <a:schemeClr val="tx1"/>
+                </a:solidFill>
+              </a:rPr>
+              <a:t>Memcached</a:t>
+            </a:r>
+            <a:r>
+              <a:rPr lang="en-US" sz="2400" dirty="0" smtClean="0">
+                <a:solidFill>
+                  <a:schemeClr val="tx1"/>
+                </a:solidFill>
+              </a:rPr>
+              <a:t>?</a:t>
+            </a:r>
+            <a:endParaRPr lang="en-US" sz="2400" dirty="0">
+              <a:solidFill>
+                <a:schemeClr val="tx1"/>
+              </a:solidFill>
+            </a:endParaRPr>
+          </a:p>
+        </p:txBody>
+      </p:sp>
+      <p:cxnSp>
+        <p:nvCxnSpPr>
+          <p:cNvPr id="11" name="7 Conector recto de flecha"/>
+          <p:cNvCxnSpPr>
+            <a:stCxn id="4" idx="0"/>
+            <a:endCxn id="9" idx="1"/>
+          </p:cNvCxnSpPr>
+          <p:nvPr/>
+        </p:nvCxnSpPr>
+        <p:spPr>
+          <a:xfrm flipV="1">
+            <a:off x="6744286" y="3418115"/>
+            <a:ext cx="2042912" cy="1274145"/>
+          </a:xfrm>
+          <a:prstGeom prst="straightConnector1">
+            <a:avLst/>
+          </a:prstGeom>
+          <a:ln w="38100">
+            <a:headEnd type="none"/>
+            <a:tailEnd type="none"/>
+          </a:ln>
+        </p:spPr>
+        <p:style>
+          <a:lnRef idx="1">
+            <a:schemeClr val="accent1"/>
+          </a:lnRef>
+          <a:fillRef idx="0">
+            <a:schemeClr val="accent1"/>
+          </a:fillRef>
+          <a:effectRef idx="0">
+            <a:schemeClr val="accent1"/>
+          </a:effectRef>
+          <a:fontRef idx="minor">
+            <a:schemeClr val="tx1"/>
+          </a:fontRef>
+        </p:style>
+      </p:cxnSp>
+      <p:cxnSp>
+        <p:nvCxnSpPr>
+          <p:cNvPr id="19" name="21 Conector recto de flecha"/>
+          <p:cNvCxnSpPr/>
+          <p:nvPr/>
+        </p:nvCxnSpPr>
+        <p:spPr>
+          <a:xfrm flipV="1">
+            <a:off x="7106236" y="3621702"/>
+            <a:ext cx="1587003" cy="1060404"/>
+          </a:xfrm>
+          <a:prstGeom prst="straightConnector1">
+            <a:avLst/>
+          </a:prstGeom>
+          <a:ln w="25400">
+            <a:prstDash val="dash"/>
+            <a:headEnd type="arrow" w="lg" len="med"/>
+            <a:tailEnd type="arrow"/>
+          </a:ln>
+        </p:spPr>
+        <p:style>
+          <a:lnRef idx="1">
+            <a:schemeClr val="accent1"/>
+          </a:lnRef>
+          <a:fillRef idx="0">
+            <a:schemeClr val="accent1"/>
+          </a:fillRef>
+          <a:effectRef idx="0">
+            <a:schemeClr val="accent1"/>
+          </a:effectRef>
+          <a:fontRef idx="minor">
+            <a:schemeClr val="tx1"/>
+          </a:fontRef>
+        </p:style>
+      </p:cxnSp>
+      <p:sp>
+        <p:nvSpPr>
+          <p:cNvPr id="21" name="32 Elipse"/>
+          <p:cNvSpPr/>
+          <p:nvPr/>
+        </p:nvSpPr>
+        <p:spPr>
+          <a:xfrm>
+            <a:off x="8013392" y="4130275"/>
+            <a:ext cx="228600" cy="228600"/>
+          </a:xfrm>
+          <a:prstGeom prst="ellipse">
+            <a:avLst/>
+          </a:prstGeom>
+          <a:solidFill>
+            <a:srgbClr val="FF0000"/>
+          </a:solidFill>
+        </p:spPr>
+        <p:style>
+          <a:lnRef idx="2">
+            <a:schemeClr val="accent1">
+              <a:shade val="50000"/>
+            </a:schemeClr>
+          </a:lnRef>
+          <a:fillRef idx="1">
+            <a:schemeClr val="accent1"/>
+          </a:fillRef>
+          <a:effectRef idx="0">
+            <a:schemeClr val="accent1"/>
+          </a:effectRef>
+          <a:fontRef idx="minor">
+            <a:schemeClr val="lt1"/>
+          </a:fontRef>
+        </p:style>
+        <p:txBody>
+          <a:bodyPr rtlCol="0" anchor="ctr"/>
+          <a:lstStyle/>
+          <a:p>
+            <a:pPr algn="ctr"/>
+            <a:endParaRPr lang="en-US"/>
+          </a:p>
+        </p:txBody>
+      </p:sp>
+    </p:spTree>
+    <p:extLst>
+      <p:ext uri="{BB962C8B-B14F-4D97-AF65-F5344CB8AC3E}">
+        <p14:creationId xmlns:p14="http://schemas.microsoft.com/office/powerpoint/2010/main" val="1158529705"/>
+      </p:ext>
+    </p:extLst>
+  </p:cSld>
+  <p:clrMapOvr>
+    <a:masterClrMapping/>
+  </p:clrMapOvr>
+</p:sld>
+</file>
+
+<file path=ppt/slides/slide4.xml><?xml version="1.0" encoding="utf-8"?>
+<p:sld xmlns:a="http://schemas.openxmlformats.org/drawingml/2006/main" xmlns:r="http://schemas.openxmlformats.org/officeDocument/2006/relationships" xmlns:p="http://schemas.openxmlformats.org/presentationml/2006/main">
+  <p:cSld>
+    <p:spTree>
+      <p:nvGrpSpPr>
+        <p:cNvPr id="1" name=""/>
+        <p:cNvGrpSpPr/>
+        <p:nvPr/>
+      </p:nvGrpSpPr>
+      <p:grpSpPr>
+        <a:xfrm>
+          <a:off x="0" y="0"/>
+          <a:ext cx="0" cy="0"/>
+          <a:chOff x="0" y="0"/>
+          <a:chExt cx="0" cy="0"/>
+        </a:xfrm>
+      </p:grpSpPr>
+      <p:sp>
+        <p:nvSpPr>
+          <p:cNvPr id="4" name="3 Rectángulo redondeado"/>
+          <p:cNvSpPr/>
+          <p:nvPr/>
+        </p:nvSpPr>
+        <p:spPr>
+          <a:xfrm>
             <a:off x="5105400" y="2521039"/>
             <a:ext cx="1447800" cy="1371600"/>
           </a:xfrm>
